--- a/PPT/第04讲_传染病模型.pptx
+++ b/PPT/第04讲_传染病模型.pptx
@@ -287,7 +287,7 @@
           <a:p>
             <a:fld id="{7F25A8C7-CC1A-4A08-9B4B-31F43B054C7F}" type="datetimeFigureOut">
               <a:rPr lang="zh-CN" altLang="en-US" smtClean="0"/>
-              <a:t>2022/8/14</a:t>
+              <a:t>2022/10/11</a:t>
             </a:fld>
             <a:endParaRPr lang="zh-CN" altLang="en-US"/>
           </a:p>
@@ -862,7 +862,7 @@
           <a:p>
             <a:fld id="{D997B5FA-0921-464F-AAE1-844C04324D75}" type="datetimeFigureOut">
               <a:rPr lang="zh-CN" altLang="en-US" smtClean="0"/>
-              <a:t>2022/8/14</a:t>
+              <a:t>2022/10/11</a:t>
             </a:fld>
             <a:endParaRPr lang="zh-CN" altLang="en-US" dirty="0"/>
           </a:p>
@@ -975,7 +975,7 @@
           <a:p>
             <a:fld id="{760FBDFE-C587-4B4C-A407-44438C67B59E}" type="datetimeFigureOut">
               <a:rPr lang="zh-CN" altLang="en-US" smtClean="0"/>
-              <a:t>2022/8/14</a:t>
+              <a:t>2022/10/11</a:t>
             </a:fld>
             <a:endParaRPr lang="zh-CN" altLang="en-US"/>
           </a:p>
@@ -1171,7 +1171,7 @@
           <a:p>
             <a:fld id="{263DB197-84B0-484E-9C0F-88358ECCB797}" type="datetimeFigureOut">
               <a:rPr lang="zh-CN" altLang="en-US" smtClean="0"/>
-              <a:t>2022/8/14</a:t>
+              <a:t>2022/10/11</a:t>
             </a:fld>
             <a:endParaRPr lang="zh-CN" altLang="en-US"/>
           </a:p>
@@ -1383,7 +1383,7 @@
           <a:p>
             <a:fld id="{760FBDFE-C587-4B4C-A407-44438C67B59E}" type="datetimeFigureOut">
               <a:rPr lang="zh-CN" altLang="en-US" smtClean="0"/>
-              <a:t>2022/8/14</a:t>
+              <a:t>2022/10/11</a:t>
             </a:fld>
             <a:endParaRPr lang="zh-CN" altLang="en-US" dirty="0"/>
           </a:p>
@@ -1496,7 +1496,7 @@
           <a:p>
             <a:fld id="{20DD7636-5BE1-44BC-BB5F-15739D9E18E1}" type="datetimeFigureOut">
               <a:rPr lang="zh-CN" altLang="en-US" smtClean="0"/>
-              <a:t>2022/8/14</a:t>
+              <a:t>2022/10/11</a:t>
             </a:fld>
             <a:endParaRPr lang="zh-CN" altLang="en-US"/>
           </a:p>
@@ -1781,7 +1781,7 @@
           <a:p>
             <a:fld id="{760FBDFE-C587-4B4C-A407-44438C67B59E}" type="datetimeFigureOut">
               <a:rPr lang="zh-CN" altLang="en-US" smtClean="0"/>
-              <a:t>2022/8/14</a:t>
+              <a:t>2022/10/11</a:t>
             </a:fld>
             <a:endParaRPr lang="zh-CN" altLang="en-US"/>
           </a:p>
@@ -2163,7 +2163,7 @@
           <a:p>
             <a:fld id="{760FBDFE-C587-4B4C-A407-44438C67B59E}" type="datetimeFigureOut">
               <a:rPr lang="zh-CN" altLang="en-US" smtClean="0"/>
-              <a:t>2022/8/14</a:t>
+              <a:t>2022/10/11</a:t>
             </a:fld>
             <a:endParaRPr lang="zh-CN" altLang="en-US"/>
           </a:p>
@@ -2313,7 +2313,7 @@
           <a:p>
             <a:fld id="{20DD7636-5BE1-44BC-BB5F-15739D9E18E1}" type="datetimeFigureOut">
               <a:rPr lang="zh-CN" altLang="en-US" smtClean="0"/>
-              <a:t>2022/8/14</a:t>
+              <a:t>2022/10/11</a:t>
             </a:fld>
             <a:endParaRPr lang="zh-CN" altLang="en-US"/>
           </a:p>
@@ -2465,7 +2465,7 @@
           <a:p>
             <a:fld id="{760FBDFE-C587-4B4C-A407-44438C67B59E}" type="datetimeFigureOut">
               <a:rPr lang="zh-CN" altLang="en-US" smtClean="0"/>
-              <a:t>2022/8/14</a:t>
+              <a:t>2022/10/11</a:t>
             </a:fld>
             <a:endParaRPr lang="zh-CN" altLang="en-US"/>
           </a:p>
@@ -2739,7 +2739,7 @@
           <a:p>
             <a:fld id="{9EFD9D74-47D9-4702-A33C-335B63B48DBF}" type="datetimeFigureOut">
               <a:rPr lang="zh-CN" altLang="en-US" smtClean="0"/>
-              <a:t>2022/8/14</a:t>
+              <a:t>2022/10/11</a:t>
             </a:fld>
             <a:endParaRPr lang="zh-CN" altLang="en-US" dirty="0"/>
           </a:p>
@@ -2941,7 +2941,7 @@
           <a:p>
             <a:fld id="{760FBDFE-C587-4B4C-A407-44438C67B59E}" type="datetimeFigureOut">
               <a:rPr lang="zh-CN" altLang="en-US" smtClean="0"/>
-              <a:t>2022/8/14</a:t>
+              <a:t>2022/10/11</a:t>
             </a:fld>
             <a:endParaRPr lang="zh-CN" altLang="en-US"/>
           </a:p>
@@ -3960,8 +3960,8 @@
         </p:nvSpPr>
         <p:spPr>
           <a:xfrm>
-            <a:off x="6349365" y="1848485"/>
-            <a:ext cx="2864485" cy="3115945"/>
+            <a:off x="6349365" y="2087900"/>
+            <a:ext cx="2864485" cy="2876530"/>
           </a:xfrm>
           <a:prstGeom prst="ellipse">
             <a:avLst/>
@@ -4008,8 +4008,8 @@
         </p:nvSpPr>
         <p:spPr>
           <a:xfrm>
-            <a:off x="1680210" y="1476375"/>
-            <a:ext cx="9265285" cy="1322070"/>
+            <a:off x="2642870" y="1917680"/>
+            <a:ext cx="9265285" cy="923330"/>
           </a:xfrm>
           <a:prstGeom prst="rect">
             <a:avLst/>
@@ -4023,7 +4023,7 @@
           <a:lstStyle/>
           <a:p>
             <a:r>
-              <a:rPr lang="zh-CN" altLang="en-US" sz="8000" b="1" dirty="0">
+              <a:rPr lang="zh-CN" altLang="en-US" sz="5400" b="1" dirty="0">
                 <a:solidFill>
                   <a:srgbClr val="C00000"/>
                 </a:solidFill>
@@ -4033,7 +4033,7 @@
               <a:t>第</a:t>
             </a:r>
             <a:r>
-              <a:rPr lang="en-US" altLang="zh-CN" sz="8000" b="1" dirty="0">
+              <a:rPr lang="en-US" altLang="zh-CN" sz="5400" b="1" dirty="0">
                 <a:solidFill>
                   <a:srgbClr val="C00000"/>
                 </a:solidFill>
@@ -4043,7 +4043,7 @@
               <a:t>04</a:t>
             </a:r>
             <a:r>
-              <a:rPr lang="zh-CN" altLang="en-US" sz="8000" b="1" dirty="0">
+              <a:rPr lang="zh-CN" altLang="en-US" sz="5400" b="1" dirty="0">
                 <a:solidFill>
                   <a:srgbClr val="C00000"/>
                 </a:solidFill>
@@ -4254,8 +4254,8 @@
         </p:nvSpPr>
         <p:spPr>
           <a:xfrm>
-            <a:off x="-1211580" y="-1113155"/>
-            <a:ext cx="2864485" cy="3115945"/>
+            <a:off x="55799" y="35975"/>
+            <a:ext cx="2864485" cy="2805035"/>
           </a:xfrm>
           <a:prstGeom prst="ellipse">
             <a:avLst/>
@@ -4302,8 +4302,8 @@
         </p:nvSpPr>
         <p:spPr>
           <a:xfrm>
-            <a:off x="10217785" y="5241290"/>
-            <a:ext cx="2864485" cy="3115945"/>
+            <a:off x="9399709" y="4016991"/>
+            <a:ext cx="2864485" cy="2829684"/>
           </a:xfrm>
           <a:prstGeom prst="ellipse">
             <a:avLst/>
@@ -4446,8 +4446,8 @@
         </p:nvSpPr>
         <p:spPr>
           <a:xfrm>
-            <a:off x="4865883" y="3596532"/>
-            <a:ext cx="2468880" cy="1014730"/>
+            <a:off x="5080337" y="3593042"/>
+            <a:ext cx="2031325" cy="830997"/>
           </a:xfrm>
           <a:prstGeom prst="rect">
             <a:avLst/>
@@ -4461,7 +4461,7 @@
           <a:lstStyle/>
           <a:p>
             <a:r>
-              <a:rPr lang="zh-CN" altLang="en-US" sz="6000" dirty="0">
+              <a:rPr lang="zh-CN" altLang="en-US" sz="4800" dirty="0">
                 <a:solidFill>
                   <a:srgbClr val="C00000"/>
                 </a:solidFill>
@@ -4469,6 +4469,77 @@
                 <a:ea typeface="华文楷体" panose="02010600040101010101" pitchFamily="2" charset="-122"/>
               </a:rPr>
               <a:t>罗志坤</a:t>
+            </a:r>
+          </a:p>
+        </p:txBody>
+      </p:sp>
+      <p:sp>
+        <p:nvSpPr>
+          <p:cNvPr id="7" name="文本框 6">
+            <a:extLst>
+              <a:ext uri="{FF2B5EF4-FFF2-40B4-BE49-F238E27FC236}">
+                <a16:creationId xmlns:a16="http://schemas.microsoft.com/office/drawing/2014/main" id="{FC3F1497-A651-398D-473F-D626AEAAC966}"/>
+              </a:ext>
+            </a:extLst>
+          </p:cNvPr>
+          <p:cNvSpPr txBox="1"/>
+          <p:nvPr/>
+        </p:nvSpPr>
+        <p:spPr>
+          <a:xfrm>
+            <a:off x="430942" y="724770"/>
+            <a:ext cx="7058343" cy="461665"/>
+          </a:xfrm>
+          <a:prstGeom prst="rect">
+            <a:avLst/>
+          </a:prstGeom>
+          <a:noFill/>
+        </p:spPr>
+        <p:txBody>
+          <a:bodyPr wrap="none" rtlCol="0">
+            <a:spAutoFit/>
+          </a:bodyPr>
+          <a:lstStyle/>
+          <a:p>
+            <a:r>
+              <a:rPr lang="zh-CN" altLang="en-US" sz="2400" dirty="0">
+                <a:solidFill>
+                  <a:srgbClr val="C00000"/>
+                </a:solidFill>
+              </a:rPr>
+              <a:t>张敬信</a:t>
+            </a:r>
+            <a:r>
+              <a:rPr lang="en-US" altLang="zh-CN" sz="2400" dirty="0">
+                <a:solidFill>
+                  <a:srgbClr val="C00000"/>
+                </a:solidFill>
+              </a:rPr>
+              <a:t>-《</a:t>
+            </a:r>
+            <a:r>
+              <a:rPr lang="zh-CN" altLang="en-US" sz="2400" dirty="0">
+                <a:solidFill>
+                  <a:srgbClr val="C00000"/>
+                </a:solidFill>
+              </a:rPr>
+              <a:t>数学建模：算法与编程实现</a:t>
+            </a:r>
+            <a:r>
+              <a:rPr lang="en-US" altLang="zh-CN" sz="2400" dirty="0">
+                <a:solidFill>
+                  <a:srgbClr val="C00000"/>
+                </a:solidFill>
+              </a:rPr>
+              <a:t>》</a:t>
+            </a:r>
+            <a:r>
+              <a:rPr lang="zh-CN" altLang="en-US" sz="2400" dirty="0">
+                <a:solidFill>
+                  <a:srgbClr val="C00000"/>
+                </a:solidFill>
+              </a:rPr>
+              <a:t>，配套课件</a:t>
             </a:r>
           </a:p>
         </p:txBody>
